--- a/raw/files/Technology.pptx
+++ b/raw/files/Technology.pptx
@@ -8857,6 +8857,39 @@
           </a:extLst>
         </p:spPr>
       </p:pic>
+      <p:sp>
+        <p:nvSpPr>
+          <p:cNvPr id="2181" name="TextBox 2180"/>
+          <p:cNvSpPr txBox="1"/>
+          <p:nvPr/>
+        </p:nvSpPr>
+        <p:spPr>
+          <a:xfrm>
+            <a:off x="914400" y="4572000"/>
+            <a:ext cx="7315200" cy="914400"/>
+          </a:xfrm>
+          <a:prstGeom prst="rect">
+            <a:avLst/>
+          </a:prstGeom>
+          <a:noFill/>
+        </p:spPr>
+        <p:txBody>
+          <a:bodyPr wrap="none">
+            <a:spAutoFit/>
+          </a:bodyPr>
+          <a:lstStyle/>
+          <a:p>
+            <a:r>
+              <a:rPr sz="2000" b="1">
+                <a:solidFill>
+                  <a:srgbClr val="C8C8C8"/>
+                </a:solidFill>
+              </a:rPr>
+              <a:t>NhanNgocThach – For Educational Use Only</a:t>
+            </a:r>
+          </a:p>
+        </p:txBody>
+      </p:sp>
     </p:spTree>
   </p:cSld>
   <p:clrMapOvr>
@@ -9503,6 +9536,39 @@
                 </a:solidFill>
               </a:rPr>
               <a:t>Manage data</a:t>
+            </a:r>
+          </a:p>
+        </p:txBody>
+      </p:sp>
+      <p:sp>
+        <p:nvSpPr>
+          <p:cNvPr id="2060" name="TextBox 2059"/>
+          <p:cNvSpPr txBox="1"/>
+          <p:nvPr/>
+        </p:nvSpPr>
+        <p:spPr>
+          <a:xfrm>
+            <a:off x="914400" y="4572000"/>
+            <a:ext cx="7315200" cy="914400"/>
+          </a:xfrm>
+          <a:prstGeom prst="rect">
+            <a:avLst/>
+          </a:prstGeom>
+          <a:noFill/>
+        </p:spPr>
+        <p:txBody>
+          <a:bodyPr wrap="none">
+            <a:spAutoFit/>
+          </a:bodyPr>
+          <a:lstStyle/>
+          <a:p>
+            <a:r>
+              <a:rPr sz="2000" b="1">
+                <a:solidFill>
+                  <a:srgbClr val="C8C8C8"/>
+                </a:solidFill>
+              </a:rPr>
+              <a:t>NhanNgocThach – For Educational Use Only</a:t>
             </a:r>
           </a:p>
         </p:txBody>
@@ -10294,6 +10360,39 @@
           </a:extLst>
         </p:spPr>
       </p:pic>
+      <p:sp>
+        <p:nvSpPr>
+          <p:cNvPr id="3082" name="TextBox 3081"/>
+          <p:cNvSpPr txBox="1"/>
+          <p:nvPr/>
+        </p:nvSpPr>
+        <p:spPr>
+          <a:xfrm>
+            <a:off x="914400" y="4572000"/>
+            <a:ext cx="7315200" cy="914400"/>
+          </a:xfrm>
+          <a:prstGeom prst="rect">
+            <a:avLst/>
+          </a:prstGeom>
+          <a:noFill/>
+        </p:spPr>
+        <p:txBody>
+          <a:bodyPr wrap="none">
+            <a:spAutoFit/>
+          </a:bodyPr>
+          <a:lstStyle/>
+          <a:p>
+            <a:r>
+              <a:rPr sz="2000" b="1">
+                <a:solidFill>
+                  <a:srgbClr val="C8C8C8"/>
+                </a:solidFill>
+              </a:rPr>
+              <a:t>NhanNgocThach – For Educational Use Only</a:t>
+            </a:r>
+          </a:p>
+        </p:txBody>
+      </p:sp>
     </p:spTree>
   </p:cSld>
   <p:clrMapOvr>
